--- a/Meetings/2019.09.12-fMRIdataLabMeeting.pptx
+++ b/Meetings/2019.09.12-fMRIdataLabMeeting.pptx
@@ -5,7 +5,7 @@
     <p:sldMasterId id="2147483660" r:id="rId1"/>
   </p:sldMasterIdLst>
   <p:notesMasterIdLst>
-    <p:notesMasterId r:id="rId16"/>
+    <p:notesMasterId r:id="rId17"/>
   </p:notesMasterIdLst>
   <p:sldIdLst>
     <p:sldId id="256" r:id="rId2"/>
@@ -19,9 +19,10 @@
     <p:sldId id="263" r:id="rId10"/>
     <p:sldId id="266" r:id="rId11"/>
     <p:sldId id="265" r:id="rId12"/>
-    <p:sldId id="267" r:id="rId13"/>
-    <p:sldId id="268" r:id="rId14"/>
-    <p:sldId id="269" r:id="rId15"/>
+    <p:sldId id="270" r:id="rId13"/>
+    <p:sldId id="267" r:id="rId14"/>
+    <p:sldId id="268" r:id="rId15"/>
+    <p:sldId id="269" r:id="rId16"/>
   </p:sldIdLst>
   <p:sldSz cx="9144000" cy="6858000" type="screen4x3"/>
   <p:notesSz cx="6858000" cy="9144000"/>
@@ -205,7 +206,7 @@
           <a:p>
             <a:fld id="{EA3C5DAC-6FE6-4316-87B7-6031F2D95D9A}" type="datetimeFigureOut">
               <a:rPr lang="en-CA" smtClean="0"/>
-              <a:t>06/09/2018</a:t>
+              <a:t>18-09-12</a:t>
             </a:fld>
             <a:endParaRPr lang="en-CA"/>
           </a:p>
@@ -798,7 +799,6 @@
               <a:rPr lang="en-CA" dirty="0" smtClean="0"/>
               <a:t>S1UL-S1TBL </a:t>
             </a:r>
-            <a:endParaRPr lang="en-CA" dirty="0" smtClean="0"/>
           </a:p>
           <a:p>
             <a:pPr marL="0" marR="0" lvl="0" indent="0" algn="l" defTabSz="914400" rtl="0" eaLnBrk="1" fontAlgn="auto" latinLnBrk="0" hangingPunct="1">
@@ -1019,7 +1019,7 @@
           <a:p>
             <a:fld id="{3BA6BF10-2DA0-4528-8D81-019658A32DBE}" type="slidenum">
               <a:rPr lang="en-CA" smtClean="0"/>
-              <a:t>12</a:t>
+              <a:t>13</a:t>
             </a:fld>
             <a:endParaRPr lang="en-CA"/>
           </a:p>
@@ -1127,7 +1127,7 @@
           <a:p>
             <a:fld id="{3BA6BF10-2DA0-4528-8D81-019658A32DBE}" type="slidenum">
               <a:rPr lang="en-CA" smtClean="0"/>
-              <a:t>13</a:t>
+              <a:t>14</a:t>
             </a:fld>
             <a:endParaRPr lang="en-CA"/>
           </a:p>
@@ -1211,7 +1211,7 @@
           <a:p>
             <a:fld id="{3BA6BF10-2DA0-4528-8D81-019658A32DBE}" type="slidenum">
               <a:rPr lang="en-CA" smtClean="0"/>
-              <a:t>14</a:t>
+              <a:t>15</a:t>
             </a:fld>
             <a:endParaRPr lang="en-CA"/>
           </a:p>
@@ -1361,7 +1361,7 @@
           <a:p>
             <a:fld id="{C2FC7127-3C0D-4B0F-A0B9-42504EB5A386}" type="datetimeFigureOut">
               <a:rPr lang="en-CA" smtClean="0"/>
-              <a:t>06/09/2018</a:t>
+              <a:t>18-09-12</a:t>
             </a:fld>
             <a:endParaRPr lang="en-CA"/>
           </a:p>
@@ -1531,7 +1531,7 @@
           <a:p>
             <a:fld id="{C2FC7127-3C0D-4B0F-A0B9-42504EB5A386}" type="datetimeFigureOut">
               <a:rPr lang="en-CA" smtClean="0"/>
-              <a:t>06/09/2018</a:t>
+              <a:t>18-09-12</a:t>
             </a:fld>
             <a:endParaRPr lang="en-CA"/>
           </a:p>
@@ -1711,7 +1711,7 @@
           <a:p>
             <a:fld id="{C2FC7127-3C0D-4B0F-A0B9-42504EB5A386}" type="datetimeFigureOut">
               <a:rPr lang="en-CA" smtClean="0"/>
-              <a:t>06/09/2018</a:t>
+              <a:t>18-09-12</a:t>
             </a:fld>
             <a:endParaRPr lang="en-CA"/>
           </a:p>
@@ -1881,7 +1881,7 @@
           <a:p>
             <a:fld id="{C2FC7127-3C0D-4B0F-A0B9-42504EB5A386}" type="datetimeFigureOut">
               <a:rPr lang="en-CA" smtClean="0"/>
-              <a:t>06/09/2018</a:t>
+              <a:t>18-09-12</a:t>
             </a:fld>
             <a:endParaRPr lang="en-CA"/>
           </a:p>
@@ -2125,7 +2125,7 @@
           <a:p>
             <a:fld id="{C2FC7127-3C0D-4B0F-A0B9-42504EB5A386}" type="datetimeFigureOut">
               <a:rPr lang="en-CA" smtClean="0"/>
-              <a:t>06/09/2018</a:t>
+              <a:t>18-09-12</a:t>
             </a:fld>
             <a:endParaRPr lang="en-CA"/>
           </a:p>
@@ -2357,7 +2357,7 @@
           <a:p>
             <a:fld id="{C2FC7127-3C0D-4B0F-A0B9-42504EB5A386}" type="datetimeFigureOut">
               <a:rPr lang="en-CA" smtClean="0"/>
-              <a:t>06/09/2018</a:t>
+              <a:t>18-09-12</a:t>
             </a:fld>
             <a:endParaRPr lang="en-CA"/>
           </a:p>
@@ -2724,7 +2724,7 @@
           <a:p>
             <a:fld id="{C2FC7127-3C0D-4B0F-A0B9-42504EB5A386}" type="datetimeFigureOut">
               <a:rPr lang="en-CA" smtClean="0"/>
-              <a:t>06/09/2018</a:t>
+              <a:t>18-09-12</a:t>
             </a:fld>
             <a:endParaRPr lang="en-CA"/>
           </a:p>
@@ -2842,7 +2842,7 @@
           <a:p>
             <a:fld id="{C2FC7127-3C0D-4B0F-A0B9-42504EB5A386}" type="datetimeFigureOut">
               <a:rPr lang="en-CA" smtClean="0"/>
-              <a:t>06/09/2018</a:t>
+              <a:t>18-09-12</a:t>
             </a:fld>
             <a:endParaRPr lang="en-CA"/>
           </a:p>
@@ -2937,7 +2937,7 @@
           <a:p>
             <a:fld id="{C2FC7127-3C0D-4B0F-A0B9-42504EB5A386}" type="datetimeFigureOut">
               <a:rPr lang="en-CA" smtClean="0"/>
-              <a:t>06/09/2018</a:t>
+              <a:t>18-09-12</a:t>
             </a:fld>
             <a:endParaRPr lang="en-CA"/>
           </a:p>
@@ -3214,7 +3214,7 @@
           <a:p>
             <a:fld id="{C2FC7127-3C0D-4B0F-A0B9-42504EB5A386}" type="datetimeFigureOut">
               <a:rPr lang="en-CA" smtClean="0"/>
-              <a:t>06/09/2018</a:t>
+              <a:t>18-09-12</a:t>
             </a:fld>
             <a:endParaRPr lang="en-CA"/>
           </a:p>
@@ -3471,7 +3471,7 @@
           <a:p>
             <a:fld id="{C2FC7127-3C0D-4B0F-A0B9-42504EB5A386}" type="datetimeFigureOut">
               <a:rPr lang="en-CA" smtClean="0"/>
-              <a:t>06/09/2018</a:t>
+              <a:t>18-09-12</a:t>
             </a:fld>
             <a:endParaRPr lang="en-CA"/>
           </a:p>
@@ -3684,7 +3684,7 @@
           <a:p>
             <a:fld id="{C2FC7127-3C0D-4B0F-A0B9-42504EB5A386}" type="datetimeFigureOut">
               <a:rPr lang="en-CA" smtClean="0"/>
-              <a:t>06/09/2018</a:t>
+              <a:t>18-09-12</a:t>
             </a:fld>
             <a:endParaRPr lang="en-CA"/>
           </a:p>
@@ -4148,7 +4148,7 @@
   <p:timing>
     <p:tnLst>
       <p:par>
-        <p:cTn id="1" dur="indefinite" restart="never" nodeType="tmRoot"/>
+        <p:cTn xmlns:p14="http://schemas.microsoft.com/office/powerpoint/2010/main" id="1" dur="indefinite" restart="never" nodeType="tmRoot"/>
       </p:par>
     </p:tnLst>
   </p:timing>
@@ -4429,7 +4429,7 @@
   <p:timing>
     <p:tnLst>
       <p:par>
-        <p:cTn id="1" dur="indefinite" restart="never" nodeType="tmRoot"/>
+        <p:cTn xmlns:p14="http://schemas.microsoft.com/office/powerpoint/2010/main" id="1" dur="indefinite" restart="never" nodeType="tmRoot"/>
       </p:par>
     </p:tnLst>
   </p:timing>
@@ -4566,12 +4566,16 @@
               <a:buChar char="•"/>
             </a:pPr>
             <a:r>
-              <a:rPr lang="en-CA" u="sng" dirty="0" smtClean="0"/>
+              <a:rPr lang="en-CA" b="1" u="sng" dirty="0" smtClean="0"/>
               <a:t>S1UL-S2UL</a:t>
             </a:r>
             <a:r>
-              <a:rPr lang="en-CA" dirty="0" smtClean="0"/>
-              <a:t> – sig. clusters in </a:t>
+              <a:rPr lang="en-CA" b="1" dirty="0" smtClean="0"/>
+              <a:t> </a:t>
+            </a:r>
+            <a:r>
+              <a:rPr lang="en-CA" dirty="0" smtClean="0"/>
+              <a:t>– sig. clusters in </a:t>
             </a:r>
             <a:r>
               <a:rPr lang="en-CA" dirty="0" err="1" smtClean="0"/>
@@ -4669,7 +4673,7 @@
               <a:buChar char="•"/>
             </a:pPr>
             <a:r>
-              <a:rPr lang="en-CA" u="sng" dirty="0" smtClean="0"/>
+              <a:rPr lang="en-CA" b="1" u="sng" dirty="0" smtClean="0"/>
               <a:t>S1UL-S1TBL</a:t>
             </a:r>
             <a:r>
@@ -4818,7 +4822,7 @@
   <p:timing>
     <p:tnLst>
       <p:par>
-        <p:cTn id="1" dur="indefinite" restart="never" nodeType="tmRoot"/>
+        <p:cTn xmlns:p14="http://schemas.microsoft.com/office/powerpoint/2010/main" id="1" dur="indefinite" restart="never" nodeType="tmRoot"/>
       </p:par>
     </p:tnLst>
   </p:timing>
@@ -4859,13 +4863,13 @@
           <a:p>
             <a:r>
               <a:rPr lang="en-CA" dirty="0" smtClean="0"/>
-              <a:t>Behavioural measures as covariates with </a:t>
-            </a:r>
-            <a:r>
-              <a:rPr lang="en-CA" b="1" dirty="0" smtClean="0"/>
-              <a:t>S2TBL</a:t>
-            </a:r>
-            <a:endParaRPr lang="en-CA" b="1" dirty="0"/>
+              <a:t>Next things to try</a:t>
+            </a:r>
+            <a:r>
+              <a:rPr lang="mr-IN" dirty="0" smtClean="0"/>
+              <a:t>…</a:t>
+            </a:r>
+            <a:endParaRPr lang="en-CA" dirty="0"/>
           </a:p>
         </p:txBody>
       </p:sp>
@@ -4879,122 +4883,22 @@
             <p:ph idx="1"/>
           </p:nvPr>
         </p:nvSpPr>
-        <p:spPr>
-          <a:xfrm>
-            <a:off x="628650" y="1825625"/>
-            <a:ext cx="7886700" cy="4685344"/>
-          </a:xfrm>
-        </p:spPr>
-        <p:txBody>
-          <a:bodyPr>
-            <a:normAutofit lnSpcReduction="10000"/>
-          </a:bodyPr>
-          <a:lstStyle/>
-          <a:p>
-            <a:r>
-              <a:rPr lang="en-CA" dirty="0" smtClean="0"/>
-              <a:t>Not significant</a:t>
+        <p:spPr/>
+        <p:txBody>
+          <a:bodyPr/>
+          <a:lstStyle/>
+          <a:p>
+            <a:r>
+              <a:rPr lang="en-CA" dirty="0" smtClean="0"/>
+              <a:t>MVPA </a:t>
             </a:r>
           </a:p>
           <a:p>
             <a:pPr lvl="1"/>
             <a:r>
               <a:rPr lang="en-CA" dirty="0" smtClean="0"/>
-              <a:t>BAT Beat Perception</a:t>
-            </a:r>
-          </a:p>
-          <a:p>
-            <a:pPr lvl="1"/>
-            <a:r>
-              <a:rPr lang="en-CA" dirty="0" smtClean="0"/>
-              <a:t>Old New memory task</a:t>
-            </a:r>
-          </a:p>
-          <a:p>
-            <a:pPr lvl="1"/>
-            <a:r>
-              <a:rPr lang="en-CA" dirty="0" smtClean="0"/>
-              <a:t>Lyric Modification</a:t>
-            </a:r>
-          </a:p>
-          <a:p>
-            <a:pPr lvl="1"/>
-            <a:r>
-              <a:rPr lang="en-CA" dirty="0" smtClean="0"/>
-              <a:t>Familiarity </a:t>
-            </a:r>
-          </a:p>
-          <a:p>
-            <a:r>
-              <a:rPr lang="en-CA" dirty="0" smtClean="0"/>
-              <a:t>BAT Melody memory</a:t>
-            </a:r>
-          </a:p>
-          <a:p>
-            <a:pPr lvl="1"/>
-            <a:r>
-              <a:rPr lang="en-CA" dirty="0" err="1"/>
-              <a:t>c</a:t>
-            </a:r>
-            <a:r>
-              <a:rPr lang="en-CA" dirty="0" err="1" smtClean="0"/>
-              <a:t>ov_i</a:t>
-            </a:r>
-            <a:r>
-              <a:rPr lang="en-CA" dirty="0" smtClean="0"/>
-              <a:t>+ - sig. cluster in cerebellum</a:t>
-            </a:r>
-          </a:p>
-          <a:p>
-            <a:pPr lvl="1"/>
-            <a:r>
-              <a:rPr lang="en-CA" dirty="0" err="1" smtClean="0"/>
-              <a:t>cov_i</a:t>
-            </a:r>
-            <a:r>
-              <a:rPr lang="en-CA" dirty="0" smtClean="0"/>
-              <a:t>- - sig. cluster in superior frontal (L)</a:t>
-            </a:r>
-          </a:p>
-          <a:p>
-            <a:r>
-              <a:rPr lang="en-CA" dirty="0" smtClean="0"/>
-              <a:t>Lyric Orientation</a:t>
-            </a:r>
-          </a:p>
-          <a:p>
-            <a:pPr lvl="1"/>
-            <a:r>
-              <a:rPr lang="en-CA" dirty="0" smtClean="0"/>
-              <a:t>Negative covariate is sig. in middle temporal (L)</a:t>
-            </a:r>
-          </a:p>
-          <a:p>
-            <a:pPr lvl="2"/>
-            <a:r>
-              <a:rPr lang="en-CA" dirty="0" smtClean="0"/>
-              <a:t>Driven by a </a:t>
-            </a:r>
-            <a:r>
-              <a:rPr lang="en-CA" dirty="0" err="1" smtClean="0"/>
-              <a:t>capella</a:t>
-            </a:r>
-            <a:r>
-              <a:rPr lang="en-CA" dirty="0" smtClean="0"/>
-              <a:t> and whole songs</a:t>
-            </a:r>
-          </a:p>
-          <a:p>
-            <a:pPr lvl="2"/>
-            <a:r>
-              <a:rPr lang="en-CA" dirty="0" smtClean="0"/>
-              <a:t>(sig. at peak-level, not at cluster-level)</a:t>
-            </a:r>
-          </a:p>
-          <a:p>
-            <a:pPr marL="457200" lvl="1" indent="0">
-              <a:buNone/>
-            </a:pPr>
+              <a:t>Are the differences between conditions more subtle? </a:t>
+            </a:r>
             <a:endParaRPr lang="en-CA" dirty="0"/>
           </a:p>
         </p:txBody>
@@ -5002,7 +4906,7 @@
     </p:spTree>
     <p:extLst>
       <p:ext uri="{BB962C8B-B14F-4D97-AF65-F5344CB8AC3E}">
-        <p14:creationId xmlns:p14="http://schemas.microsoft.com/office/powerpoint/2010/main" val="525429983"/>
+        <p14:creationId xmlns:p14="http://schemas.microsoft.com/office/powerpoint/2010/main" val="395269211"/>
       </p:ext>
     </p:extLst>
   </p:cSld>
@@ -5012,7 +4916,7 @@
   <p:timing>
     <p:tnLst>
       <p:par>
-        <p:cTn id="1" dur="indefinite" restart="never" nodeType="tmRoot"/>
+        <p:cTn xmlns:p14="http://schemas.microsoft.com/office/powerpoint/2010/main" id="1" dur="indefinite" restart="never" nodeType="tmRoot"/>
       </p:par>
     </p:tnLst>
   </p:timing>
@@ -5020,7 +4924,7 @@
 </file>
 
 <file path=ppt/slides/slide13.xml><?xml version="1.0" encoding="utf-8"?>
-<p:sld xmlns:a="http://schemas.openxmlformats.org/drawingml/2006/main" xmlns:r="http://schemas.openxmlformats.org/officeDocument/2006/relationships" xmlns:p="http://schemas.openxmlformats.org/presentationml/2006/main">
+<p:sld xmlns:a="http://schemas.openxmlformats.org/drawingml/2006/main" xmlns:r="http://schemas.openxmlformats.org/officeDocument/2006/relationships" xmlns:p="http://schemas.openxmlformats.org/presentationml/2006/main" show="0">
   <p:cSld>
     <p:spTree>
       <p:nvGrpSpPr>
@@ -5052,14 +4956,14 @@
           <a:lstStyle/>
           <a:p>
             <a:r>
-              <a:rPr lang="en-CA" dirty="0"/>
+              <a:rPr lang="en-CA" dirty="0" smtClean="0"/>
               <a:t>Behavioural measures as covariates with </a:t>
             </a:r>
             <a:r>
               <a:rPr lang="en-CA" b="1" dirty="0" smtClean="0"/>
-              <a:t>S1TBL</a:t>
-            </a:r>
-            <a:endParaRPr lang="en-CA" dirty="0"/>
+              <a:t>S2TBL</a:t>
+            </a:r>
+            <a:endParaRPr lang="en-CA" b="1" dirty="0"/>
           </a:p>
         </p:txBody>
       </p:sp>
@@ -5073,36 +4977,41 @@
             <p:ph idx="1"/>
           </p:nvPr>
         </p:nvSpPr>
-        <p:spPr/>
+        <p:spPr>
+          <a:xfrm>
+            <a:off x="628650" y="1825625"/>
+            <a:ext cx="7886700" cy="4685344"/>
+          </a:xfrm>
+        </p:spPr>
         <p:txBody>
           <a:bodyPr>
-            <a:normAutofit/>
+            <a:normAutofit lnSpcReduction="10000"/>
           </a:bodyPr>
           <a:lstStyle/>
           <a:p>
             <a:r>
-              <a:rPr lang="en-CA" dirty="0"/>
+              <a:rPr lang="en-CA" dirty="0" smtClean="0"/>
               <a:t>Not significant</a:t>
             </a:r>
           </a:p>
           <a:p>
             <a:pPr lvl="1"/>
             <a:r>
-              <a:rPr lang="en-CA" dirty="0"/>
+              <a:rPr lang="en-CA" dirty="0" smtClean="0"/>
               <a:t>BAT Beat Perception</a:t>
             </a:r>
           </a:p>
           <a:p>
             <a:pPr lvl="1"/>
             <a:r>
-              <a:rPr lang="en-CA" dirty="0"/>
+              <a:rPr lang="en-CA" dirty="0" smtClean="0"/>
               <a:t>Old New memory task</a:t>
             </a:r>
           </a:p>
           <a:p>
             <a:pPr lvl="1"/>
             <a:r>
-              <a:rPr lang="en-CA" dirty="0"/>
+              <a:rPr lang="en-CA" dirty="0" smtClean="0"/>
               <a:t>Lyric Modification</a:t>
             </a:r>
           </a:p>
@@ -5110,35 +5019,80 @@
             <a:pPr lvl="1"/>
             <a:r>
               <a:rPr lang="en-CA" dirty="0" smtClean="0"/>
-              <a:t>Familiarity</a:t>
+              <a:t>Familiarity </a:t>
+            </a:r>
+          </a:p>
+          <a:p>
+            <a:r>
+              <a:rPr lang="en-CA" dirty="0" smtClean="0"/>
+              <a:t>BAT Melody memory</a:t>
             </a:r>
           </a:p>
           <a:p>
             <a:pPr lvl="1"/>
             <a:r>
-              <a:rPr lang="en-CA" dirty="0"/>
+              <a:rPr lang="en-CA" dirty="0" err="1"/>
+              <a:t>c</a:t>
+            </a:r>
+            <a:r>
+              <a:rPr lang="en-CA" dirty="0" err="1" smtClean="0"/>
+              <a:t>ov_i</a:t>
+            </a:r>
+            <a:r>
+              <a:rPr lang="en-CA" dirty="0" smtClean="0"/>
+              <a:t>+ - sig. cluster in cerebellum</a:t>
+            </a:r>
+          </a:p>
+          <a:p>
+            <a:pPr lvl="1"/>
+            <a:r>
+              <a:rPr lang="en-CA" dirty="0" err="1" smtClean="0"/>
+              <a:t>cov_i</a:t>
+            </a:r>
+            <a:r>
+              <a:rPr lang="en-CA" dirty="0" smtClean="0"/>
+              <a:t>- - sig. cluster in superior frontal (L)</a:t>
+            </a:r>
+          </a:p>
+          <a:p>
+            <a:r>
+              <a:rPr lang="en-CA" dirty="0" smtClean="0"/>
               <a:t>Lyric Orientation</a:t>
             </a:r>
           </a:p>
           <a:p>
-            <a:r>
-              <a:rPr lang="en-CA" dirty="0"/>
-              <a:t>BAT Melody memory</a:t>
-            </a:r>
-          </a:p>
-          <a:p>
             <a:pPr lvl="1"/>
             <a:r>
               <a:rPr lang="en-CA" dirty="0" smtClean="0"/>
-              <a:t>Negative covariate - sig. cluster in superior temporal (L)</a:t>
+              <a:t>Negative covariate is sig. in middle temporal (L)</a:t>
             </a:r>
           </a:p>
           <a:p>
             <a:pPr lvl="2"/>
             <a:r>
               <a:rPr lang="en-CA" dirty="0" smtClean="0"/>
-              <a:t>Driven by instrumental song</a:t>
-            </a:r>
+              <a:t>Driven by a </a:t>
+            </a:r>
+            <a:r>
+              <a:rPr lang="en-CA" dirty="0" err="1" smtClean="0"/>
+              <a:t>capella</a:t>
+            </a:r>
+            <a:r>
+              <a:rPr lang="en-CA" dirty="0" smtClean="0"/>
+              <a:t> and whole songs</a:t>
+            </a:r>
+          </a:p>
+          <a:p>
+            <a:pPr lvl="2"/>
+            <a:r>
+              <a:rPr lang="en-CA" dirty="0" smtClean="0"/>
+              <a:t>(sig. at peak-level, not at cluster-level)</a:t>
+            </a:r>
+          </a:p>
+          <a:p>
+            <a:pPr marL="457200" lvl="1" indent="0">
+              <a:buNone/>
+            </a:pPr>
             <a:endParaRPr lang="en-CA" dirty="0"/>
           </a:p>
         </p:txBody>
@@ -5146,17 +5100,25 @@
     </p:spTree>
     <p:extLst>
       <p:ext uri="{BB962C8B-B14F-4D97-AF65-F5344CB8AC3E}">
-        <p14:creationId xmlns:p14="http://schemas.microsoft.com/office/powerpoint/2010/main" val="188161525"/>
+        <p14:creationId xmlns:p14="http://schemas.microsoft.com/office/powerpoint/2010/main" val="525429983"/>
       </p:ext>
     </p:extLst>
   </p:cSld>
   <p:clrMapOvr>
     <a:masterClrMapping/>
   </p:clrMapOvr>
+  <mc:AlternateContent xmlns:mc="http://schemas.openxmlformats.org/markup-compatibility/2006">
+    <mc:Choice xmlns:p14="http://schemas.microsoft.com/office/powerpoint/2010/main" Requires="p14">
+      <p:transition spd="slow" p14:dur="2000"/>
+    </mc:Choice>
+    <mc:Fallback>
+      <p:transition xmlns:p14="http://schemas.microsoft.com/office/powerpoint/2010/main" spd="slow"/>
+    </mc:Fallback>
+  </mc:AlternateContent>
   <p:timing>
     <p:tnLst>
       <p:par>
-        <p:cTn id="1" dur="indefinite" restart="never" nodeType="tmRoot"/>
+        <p:cTn xmlns:p14="http://schemas.microsoft.com/office/powerpoint/2010/main" id="1" dur="indefinite" restart="never" nodeType="tmRoot"/>
       </p:par>
     </p:tnLst>
   </p:timing>
@@ -5164,7 +5126,7 @@
 </file>
 
 <file path=ppt/slides/slide14.xml><?xml version="1.0" encoding="utf-8"?>
-<p:sld xmlns:a="http://schemas.openxmlformats.org/drawingml/2006/main" xmlns:r="http://schemas.openxmlformats.org/officeDocument/2006/relationships" xmlns:p="http://schemas.openxmlformats.org/presentationml/2006/main">
+<p:sld xmlns:a="http://schemas.openxmlformats.org/drawingml/2006/main" xmlns:r="http://schemas.openxmlformats.org/officeDocument/2006/relationships" xmlns:p="http://schemas.openxmlformats.org/presentationml/2006/main" show="0">
   <p:cSld>
     <p:spTree>
       <p:nvGrpSpPr>
@@ -5196,6 +5158,158 @@
           <a:lstStyle/>
           <a:p>
             <a:r>
+              <a:rPr lang="en-CA" dirty="0"/>
+              <a:t>Behavioural measures as covariates with </a:t>
+            </a:r>
+            <a:r>
+              <a:rPr lang="en-CA" b="1" dirty="0" smtClean="0"/>
+              <a:t>S1TBL</a:t>
+            </a:r>
+            <a:endParaRPr lang="en-CA" dirty="0"/>
+          </a:p>
+        </p:txBody>
+      </p:sp>
+      <p:sp>
+        <p:nvSpPr>
+          <p:cNvPr id="3" name="Content Placeholder 2"/>
+          <p:cNvSpPr>
+            <a:spLocks noGrp="1"/>
+          </p:cNvSpPr>
+          <p:nvPr>
+            <p:ph idx="1"/>
+          </p:nvPr>
+        </p:nvSpPr>
+        <p:spPr/>
+        <p:txBody>
+          <a:bodyPr>
+            <a:normAutofit/>
+          </a:bodyPr>
+          <a:lstStyle/>
+          <a:p>
+            <a:r>
+              <a:rPr lang="en-CA" dirty="0"/>
+              <a:t>Not significant</a:t>
+            </a:r>
+          </a:p>
+          <a:p>
+            <a:pPr lvl="1"/>
+            <a:r>
+              <a:rPr lang="en-CA" dirty="0"/>
+              <a:t>BAT Beat Perception</a:t>
+            </a:r>
+          </a:p>
+          <a:p>
+            <a:pPr lvl="1"/>
+            <a:r>
+              <a:rPr lang="en-CA" dirty="0"/>
+              <a:t>Old New memory task</a:t>
+            </a:r>
+          </a:p>
+          <a:p>
+            <a:pPr lvl="1"/>
+            <a:r>
+              <a:rPr lang="en-CA" dirty="0"/>
+              <a:t>Lyric Modification</a:t>
+            </a:r>
+          </a:p>
+          <a:p>
+            <a:pPr lvl="1"/>
+            <a:r>
+              <a:rPr lang="en-CA" dirty="0" smtClean="0"/>
+              <a:t>Familiarity</a:t>
+            </a:r>
+          </a:p>
+          <a:p>
+            <a:pPr lvl="1"/>
+            <a:r>
+              <a:rPr lang="en-CA" dirty="0"/>
+              <a:t>Lyric Orientation</a:t>
+            </a:r>
+          </a:p>
+          <a:p>
+            <a:r>
+              <a:rPr lang="en-CA" dirty="0"/>
+              <a:t>BAT Melody memory</a:t>
+            </a:r>
+          </a:p>
+          <a:p>
+            <a:pPr lvl="1"/>
+            <a:r>
+              <a:rPr lang="en-CA" dirty="0" smtClean="0"/>
+              <a:t>Negative covariate - sig. cluster in superior temporal (L)</a:t>
+            </a:r>
+          </a:p>
+          <a:p>
+            <a:pPr lvl="2"/>
+            <a:r>
+              <a:rPr lang="en-CA" dirty="0" smtClean="0"/>
+              <a:t>Driven by instrumental song</a:t>
+            </a:r>
+            <a:endParaRPr lang="en-CA" dirty="0"/>
+          </a:p>
+        </p:txBody>
+      </p:sp>
+    </p:spTree>
+    <p:extLst>
+      <p:ext uri="{BB962C8B-B14F-4D97-AF65-F5344CB8AC3E}">
+        <p14:creationId xmlns:p14="http://schemas.microsoft.com/office/powerpoint/2010/main" val="188161525"/>
+      </p:ext>
+    </p:extLst>
+  </p:cSld>
+  <p:clrMapOvr>
+    <a:masterClrMapping/>
+  </p:clrMapOvr>
+  <mc:AlternateContent xmlns:mc="http://schemas.openxmlformats.org/markup-compatibility/2006">
+    <mc:Choice xmlns:p14="http://schemas.microsoft.com/office/powerpoint/2010/main" Requires="p14">
+      <p:transition spd="slow" p14:dur="2000"/>
+    </mc:Choice>
+    <mc:Fallback>
+      <p:transition xmlns:p14="http://schemas.microsoft.com/office/powerpoint/2010/main" spd="slow"/>
+    </mc:Fallback>
+  </mc:AlternateContent>
+  <p:timing>
+    <p:tnLst>
+      <p:par>
+        <p:cTn xmlns:p14="http://schemas.microsoft.com/office/powerpoint/2010/main" id="1" dur="indefinite" restart="never" nodeType="tmRoot"/>
+      </p:par>
+    </p:tnLst>
+  </p:timing>
+</p:sld>
+</file>
+
+<file path=ppt/slides/slide15.xml><?xml version="1.0" encoding="utf-8"?>
+<p:sld xmlns:a="http://schemas.openxmlformats.org/drawingml/2006/main" xmlns:r="http://schemas.openxmlformats.org/officeDocument/2006/relationships" xmlns:p="http://schemas.openxmlformats.org/presentationml/2006/main" show="0">
+  <p:cSld>
+    <p:spTree>
+      <p:nvGrpSpPr>
+        <p:cNvPr id="1" name=""/>
+        <p:cNvGrpSpPr/>
+        <p:nvPr/>
+      </p:nvGrpSpPr>
+      <p:grpSpPr>
+        <a:xfrm>
+          <a:off x="0" y="0"/>
+          <a:ext cx="0" cy="0"/>
+          <a:chOff x="0" y="0"/>
+          <a:chExt cx="0" cy="0"/>
+        </a:xfrm>
+      </p:grpSpPr>
+      <p:sp>
+        <p:nvSpPr>
+          <p:cNvPr id="2" name="Title 1"/>
+          <p:cNvSpPr>
+            <a:spLocks noGrp="1"/>
+          </p:cNvSpPr>
+          <p:nvPr>
+            <p:ph type="title"/>
+          </p:nvPr>
+        </p:nvSpPr>
+        <p:spPr/>
+        <p:txBody>
+          <a:bodyPr/>
+          <a:lstStyle/>
+          <a:p>
+            <a:r>
               <a:rPr lang="en-CA" dirty="0" smtClean="0"/>
               <a:t>Lyric – Non Lyric with Lyric Orientation Covariate</a:t>
             </a:r>
@@ -5277,10 +5391,18 @@
   <p:clrMapOvr>
     <a:masterClrMapping/>
   </p:clrMapOvr>
+  <mc:AlternateContent xmlns:mc="http://schemas.openxmlformats.org/markup-compatibility/2006">
+    <mc:Choice xmlns:p14="http://schemas.microsoft.com/office/powerpoint/2010/main" Requires="p14">
+      <p:transition spd="slow" p14:dur="2000"/>
+    </mc:Choice>
+    <mc:Fallback>
+      <p:transition xmlns:p14="http://schemas.microsoft.com/office/powerpoint/2010/main" spd="slow"/>
+    </mc:Fallback>
+  </mc:AlternateContent>
   <p:timing>
     <p:tnLst>
       <p:par>
-        <p:cTn id="1" dur="indefinite" restart="never" nodeType="tmRoot"/>
+        <p:cTn xmlns:p14="http://schemas.microsoft.com/office/powerpoint/2010/main" id="1" dur="indefinite" restart="never" nodeType="tmRoot"/>
       </p:par>
     </p:tnLst>
   </p:timing>
@@ -5534,11 +5656,7 @@
             </a:r>
             <a:r>
               <a:rPr lang="en-US" dirty="0" smtClean="0"/>
-              <a:t>8 </a:t>
-            </a:r>
-            <a:r>
-              <a:rPr lang="en-US" dirty="0" smtClean="0"/>
-              <a:t>stimuli (songs)</a:t>
+              <a:t>8 stimuli (songs)</a:t>
             </a:r>
             <a:endParaRPr lang="en-US" dirty="0"/>
           </a:p>
@@ -5620,11 +5738,7 @@
             </a:r>
             <a:r>
               <a:rPr lang="en-US" dirty="0" smtClean="0"/>
-              <a:t>8 </a:t>
-            </a:r>
-            <a:r>
-              <a:rPr lang="en-US" dirty="0" smtClean="0"/>
-              <a:t>stimuli</a:t>
+              <a:t>8 stimuli</a:t>
             </a:r>
             <a:endParaRPr lang="en-US" dirty="0"/>
           </a:p>
@@ -5666,7 +5780,7 @@
   <p:timing>
     <p:tnLst>
       <p:par>
-        <p:cTn id="1" dur="indefinite" restart="never" nodeType="tmRoot"/>
+        <p:cTn xmlns:p14="http://schemas.microsoft.com/office/powerpoint/2010/main" id="1" dur="indefinite" restart="never" nodeType="tmRoot"/>
       </p:par>
     </p:tnLst>
   </p:timing>
@@ -5768,7 +5882,7 @@
   <p:timing>
     <p:tnLst>
       <p:par>
-        <p:cTn id="1" dur="indefinite" restart="never" nodeType="tmRoot"/>
+        <p:cTn xmlns:p14="http://schemas.microsoft.com/office/powerpoint/2010/main" id="1" dur="indefinite" restart="never" nodeType="tmRoot"/>
       </p:par>
     </p:tnLst>
   </p:timing>
@@ -5895,7 +6009,7 @@
   <p:timing>
     <p:tnLst>
       <p:par>
-        <p:cTn id="1" dur="indefinite" restart="never" nodeType="tmRoot"/>
+        <p:cTn xmlns:p14="http://schemas.microsoft.com/office/powerpoint/2010/main" id="1" dur="indefinite" restart="never" nodeType="tmRoot"/>
       </p:par>
     </p:tnLst>
   </p:timing>
@@ -6048,7 +6162,7 @@
   <p:timing>
     <p:tnLst>
       <p:par>
-        <p:cTn id="1" dur="indefinite" restart="never" nodeType="tmRoot"/>
+        <p:cTn xmlns:p14="http://schemas.microsoft.com/office/powerpoint/2010/main" id="1" dur="indefinite" restart="never" nodeType="tmRoot"/>
       </p:par>
     </p:tnLst>
   </p:timing>
@@ -6121,7 +6235,6 @@
               <a:rPr lang="en-US" dirty="0" smtClean="0"/>
               <a:t>Old vs New</a:t>
             </a:r>
-            <a:endParaRPr lang="en-US" dirty="0" smtClean="0"/>
           </a:p>
           <a:p>
             <a:pPr lvl="1"/>
@@ -6365,7 +6478,7 @@
   <p:timing>
     <p:tnLst>
       <p:par>
-        <p:cTn id="1" dur="indefinite" restart="never" nodeType="tmRoot"/>
+        <p:cTn xmlns:p14="http://schemas.microsoft.com/office/powerpoint/2010/main" id="1" dur="indefinite" restart="never" nodeType="tmRoot"/>
       </p:par>
     </p:tnLst>
   </p:timing>
@@ -6462,7 +6575,7 @@
   <p:timing>
     <p:tnLst>
       <p:par>
-        <p:cTn id="1" dur="indefinite" restart="never" nodeType="tmRoot"/>
+        <p:cTn xmlns:p14="http://schemas.microsoft.com/office/powerpoint/2010/main" id="1" dur="indefinite" restart="never" nodeType="tmRoot"/>
       </p:par>
     </p:tnLst>
   </p:timing>
@@ -6649,7 +6762,7 @@
   <p:timing>
     <p:tnLst>
       <p:par>
-        <p:cTn id="1" dur="indefinite" restart="never" nodeType="tmRoot"/>
+        <p:cTn xmlns:p14="http://schemas.microsoft.com/office/powerpoint/2010/main" id="1" dur="indefinite" restart="never" nodeType="tmRoot"/>
       </p:par>
     </p:tnLst>
   </p:timing>
@@ -7510,7 +7623,6 @@
               <a:rPr lang="en-CA" b="1" dirty="0" smtClean="0"/>
               <a:t>Same as in scan 1</a:t>
             </a:r>
-            <a:endParaRPr lang="en-CA" b="1" dirty="0" smtClean="0"/>
           </a:p>
           <a:p>
             <a:r>
@@ -7743,7 +7855,7 @@
   <p:timing>
     <p:tnLst>
       <p:par>
-        <p:cTn id="1" dur="indefinite" restart="never" nodeType="tmRoot">
+        <p:cTn xmlns:p14="http://schemas.microsoft.com/office/powerpoint/2010/main" id="1" dur="indefinite" restart="never" nodeType="tmRoot">
           <p:childTnLst>
             <p:seq concurrent="1" nextAc="seek">
               <p:cTn id="2" dur="indefinite" nodeType="mainSeq">
@@ -8447,7 +8559,7 @@
     </a:clrScheme>
     <a:fontScheme name="Office Theme">
       <a:majorFont>
-        <a:latin typeface="Calibri Light" panose="020F0302020204030204"/>
+        <a:latin typeface="Calibri Light"/>
         <a:ea typeface=""/>
         <a:cs typeface=""/>
         <a:font script="Jpan" typeface="ＭＳ Ｐゴシック"/>
@@ -8482,7 +8594,7 @@
         <a:font script="Geor" typeface="Sylfaen"/>
       </a:majorFont>
       <a:minorFont>
-        <a:latin typeface="Calibri" panose="020F0502020204030204"/>
+        <a:latin typeface="Calibri"/>
         <a:ea typeface=""/>
         <a:cs typeface=""/>
         <a:font script="Jpan" typeface="ＭＳ Ｐゴシック"/>
@@ -8659,7 +8771,7 @@
   <a:extraClrSchemeLst/>
   <a:extLst>
     <a:ext uri="{05A4C25C-085E-4340-85A3-A5531E510DB2}">
-      <thm15:themeFamily xmlns:thm15="http://schemas.microsoft.com/office/thememl/2012/main" name="Office Theme" id="{62F939B6-93AF-4DB8-9C6B-D6C7DFDC589F}" vid="{4A3C46E8-61CC-4603-A589-7422A47A8E4A}"/>
+      <thm15:themeFamily xmlns="" xmlns:thm15="http://schemas.microsoft.com/office/thememl/2012/main" name="Office Theme" id="{62F939B6-93AF-4DB8-9C6B-D6C7DFDC589F}" vid="{4A3C46E8-61CC-4603-A589-7422A47A8E4A}"/>
     </a:ext>
   </a:extLst>
 </a:theme>
@@ -8708,7 +8820,7 @@
     </a:clrScheme>
     <a:fontScheme name="Office">
       <a:majorFont>
-        <a:latin typeface="Calibri Light" panose="020F0302020204030204"/>
+        <a:latin typeface="Calibri Light"/>
         <a:ea typeface=""/>
         <a:cs typeface=""/>
         <a:font script="Jpan" typeface="ＭＳ Ｐゴシック"/>
@@ -8743,7 +8855,7 @@
         <a:font script="Geor" typeface="Sylfaen"/>
       </a:majorFont>
       <a:minorFont>
-        <a:latin typeface="Calibri" panose="020F0502020204030204"/>
+        <a:latin typeface="Calibri"/>
         <a:ea typeface=""/>
         <a:cs typeface=""/>
         <a:font script="Jpan" typeface="ＭＳ Ｐゴシック"/>
@@ -8920,7 +9032,7 @@
   <a:extraClrSchemeLst/>
   <a:extLst>
     <a:ext uri="{05A4C25C-085E-4340-85A3-A5531E510DB2}">
-      <thm15:themeFamily xmlns:thm15="http://schemas.microsoft.com/office/thememl/2012/main" name="Office Theme" id="{62F939B6-93AF-4DB8-9C6B-D6C7DFDC589F}" vid="{4A3C46E8-61CC-4603-A589-7422A47A8E4A}"/>
+      <thm15:themeFamily xmlns="" xmlns:thm15="http://schemas.microsoft.com/office/thememl/2012/main" name="Office Theme" id="{62F939B6-93AF-4DB8-9C6B-D6C7DFDC589F}" vid="{4A3C46E8-61CC-4603-A589-7422A47A8E4A}"/>
     </a:ext>
   </a:extLst>
 </a:theme>
